--- a/ppt 16-9/1523.十架的救赎.pptx
+++ b/ppt 16-9/1523.十架的救赎.pptx
@@ -5,7 +5,7 @@
     <p:sldMasterId id="2147483648" r:id="rId1"/>
   </p:sldMasterIdLst>
   <p:sldIdLst>
-    <p:sldId id="3369" r:id="rId2"/>
+    <p:sldId id="3370" r:id="rId2"/>
   </p:sldIdLst>
   <p:sldSz cx="12192000" cy="6858000"/>
   <p:notesSz cx="6858000" cy="9144000"/>
@@ -129,7 +129,7 @@
           <p:cNvPr id="2" name="标题 1">
             <a:extLst>
               <a:ext uri="{FF2B5EF4-FFF2-40B4-BE49-F238E27FC236}">
-                <a16:creationId xmlns:a16="http://schemas.microsoft.com/office/drawing/2014/main" id="{F39DCA02-9EC9-CF30-5D36-DEBA52FBEC27}"/>
+                <a16:creationId xmlns:a16="http://schemas.microsoft.com/office/drawing/2014/main" id="{F0FBFEB9-DEAB-ED46-6A46-B8B35DDFF66D}"/>
               </a:ext>
             </a:extLst>
           </p:cNvPr>
@@ -166,7 +166,7 @@
           <p:cNvPr id="3" name="副标题 2">
             <a:extLst>
               <a:ext uri="{FF2B5EF4-FFF2-40B4-BE49-F238E27FC236}">
-                <a16:creationId xmlns:a16="http://schemas.microsoft.com/office/drawing/2014/main" id="{22E0D2DF-4444-FE6D-4A84-A09707F6D4A2}"/>
+                <a16:creationId xmlns:a16="http://schemas.microsoft.com/office/drawing/2014/main" id="{F7483D47-0AAF-4468-7D25-A2C31A77287B}"/>
               </a:ext>
             </a:extLst>
           </p:cNvPr>
@@ -236,7 +236,7 @@
           <p:cNvPr id="4" name="日期占位符 3">
             <a:extLst>
               <a:ext uri="{FF2B5EF4-FFF2-40B4-BE49-F238E27FC236}">
-                <a16:creationId xmlns:a16="http://schemas.microsoft.com/office/drawing/2014/main" id="{D8845BA7-4B91-82B9-BDD6-254B2AE981FE}"/>
+                <a16:creationId xmlns:a16="http://schemas.microsoft.com/office/drawing/2014/main" id="{558B9EDC-23C2-3FF5-A04B-D0ABF2552DCE}"/>
               </a:ext>
             </a:extLst>
           </p:cNvPr>
@@ -252,7 +252,7 @@
           <a:bodyPr/>
           <a:lstStyle/>
           <a:p>
-            <a:fld id="{ADD26206-4F1C-4965-922D-35C2241CC94F}" type="datetimeFigureOut">
+            <a:fld id="{B629CF11-856A-4434-A32C-B7958472602F}" type="datetimeFigureOut">
               <a:rPr lang="zh-CN" altLang="en-US" smtClean="0"/>
               <a:t>2024/3/10</a:t>
             </a:fld>
@@ -265,7 +265,7 @@
           <p:cNvPr id="5" name="页脚占位符 4">
             <a:extLst>
               <a:ext uri="{FF2B5EF4-FFF2-40B4-BE49-F238E27FC236}">
-                <a16:creationId xmlns:a16="http://schemas.microsoft.com/office/drawing/2014/main" id="{45E78C26-617D-DC71-7057-CE6920C41C37}"/>
+                <a16:creationId xmlns:a16="http://schemas.microsoft.com/office/drawing/2014/main" id="{6B5170F1-8C3E-A7E7-7C2F-4A48CA8F3988}"/>
               </a:ext>
             </a:extLst>
           </p:cNvPr>
@@ -290,7 +290,7 @@
           <p:cNvPr id="6" name="灯片编号占位符 5">
             <a:extLst>
               <a:ext uri="{FF2B5EF4-FFF2-40B4-BE49-F238E27FC236}">
-                <a16:creationId xmlns:a16="http://schemas.microsoft.com/office/drawing/2014/main" id="{1DB66399-6736-FE14-9F65-AA70934432E5}"/>
+                <a16:creationId xmlns:a16="http://schemas.microsoft.com/office/drawing/2014/main" id="{5FF7DC7D-3344-5BD0-6442-551BA6DBBC2F}"/>
               </a:ext>
             </a:extLst>
           </p:cNvPr>
@@ -306,7 +306,7 @@
           <a:bodyPr/>
           <a:lstStyle/>
           <a:p>
-            <a:fld id="{D641829D-3D28-4E89-AA27-9DF0BE880895}" type="slidenum">
+            <a:fld id="{7EB81167-1EF9-49BF-A2D5-0FEB8B12125C}" type="slidenum">
               <a:rPr lang="zh-CN" altLang="en-US" smtClean="0"/>
               <a:t>‹#›</a:t>
             </a:fld>
@@ -317,7 +317,7 @@
     </p:spTree>
     <p:extLst>
       <p:ext uri="{BB962C8B-B14F-4D97-AF65-F5344CB8AC3E}">
-        <p14:creationId xmlns:p14="http://schemas.microsoft.com/office/powerpoint/2010/main" val="2229316914"/>
+        <p14:creationId xmlns:p14="http://schemas.microsoft.com/office/powerpoint/2010/main" val="3756974424"/>
       </p:ext>
     </p:extLst>
   </p:cSld>
@@ -349,7 +349,7 @@
           <p:cNvPr id="2" name="标题 1">
             <a:extLst>
               <a:ext uri="{FF2B5EF4-FFF2-40B4-BE49-F238E27FC236}">
-                <a16:creationId xmlns:a16="http://schemas.microsoft.com/office/drawing/2014/main" id="{6DEB9152-63BA-D65B-08E0-BB4A3A475E7D}"/>
+                <a16:creationId xmlns:a16="http://schemas.microsoft.com/office/drawing/2014/main" id="{229BDF01-6AC3-DBB2-3EC8-F91609D7EBAF}"/>
               </a:ext>
             </a:extLst>
           </p:cNvPr>
@@ -377,7 +377,7 @@
           <p:cNvPr id="3" name="竖排文字占位符 2">
             <a:extLst>
               <a:ext uri="{FF2B5EF4-FFF2-40B4-BE49-F238E27FC236}">
-                <a16:creationId xmlns:a16="http://schemas.microsoft.com/office/drawing/2014/main" id="{F285B359-F62A-A73F-F595-88999A50CADE}"/>
+                <a16:creationId xmlns:a16="http://schemas.microsoft.com/office/drawing/2014/main" id="{C879001D-4963-8792-8F7E-0AC745D2E2AA}"/>
               </a:ext>
             </a:extLst>
           </p:cNvPr>
@@ -434,7 +434,7 @@
           <p:cNvPr id="4" name="日期占位符 3">
             <a:extLst>
               <a:ext uri="{FF2B5EF4-FFF2-40B4-BE49-F238E27FC236}">
-                <a16:creationId xmlns:a16="http://schemas.microsoft.com/office/drawing/2014/main" id="{D6E682BC-53A8-FE32-55D8-8321DD9155A7}"/>
+                <a16:creationId xmlns:a16="http://schemas.microsoft.com/office/drawing/2014/main" id="{79D74EB8-40C4-1759-CF73-79D7956B38C6}"/>
               </a:ext>
             </a:extLst>
           </p:cNvPr>
@@ -450,7 +450,7 @@
           <a:bodyPr/>
           <a:lstStyle/>
           <a:p>
-            <a:fld id="{ADD26206-4F1C-4965-922D-35C2241CC94F}" type="datetimeFigureOut">
+            <a:fld id="{B629CF11-856A-4434-A32C-B7958472602F}" type="datetimeFigureOut">
               <a:rPr lang="zh-CN" altLang="en-US" smtClean="0"/>
               <a:t>2024/3/10</a:t>
             </a:fld>
@@ -463,7 +463,7 @@
           <p:cNvPr id="5" name="页脚占位符 4">
             <a:extLst>
               <a:ext uri="{FF2B5EF4-FFF2-40B4-BE49-F238E27FC236}">
-                <a16:creationId xmlns:a16="http://schemas.microsoft.com/office/drawing/2014/main" id="{588BB2CF-44D8-49CD-011A-B3E42C31223C}"/>
+                <a16:creationId xmlns:a16="http://schemas.microsoft.com/office/drawing/2014/main" id="{070FBC6E-B4F0-4AD1-7453-5F0DEE578558}"/>
               </a:ext>
             </a:extLst>
           </p:cNvPr>
@@ -488,7 +488,7 @@
           <p:cNvPr id="6" name="灯片编号占位符 5">
             <a:extLst>
               <a:ext uri="{FF2B5EF4-FFF2-40B4-BE49-F238E27FC236}">
-                <a16:creationId xmlns:a16="http://schemas.microsoft.com/office/drawing/2014/main" id="{3344B40A-B7C8-A2C3-2854-F4EE6670D6B1}"/>
+                <a16:creationId xmlns:a16="http://schemas.microsoft.com/office/drawing/2014/main" id="{F48D55C8-CA5D-8A12-664D-E15910D4DF7C}"/>
               </a:ext>
             </a:extLst>
           </p:cNvPr>
@@ -504,7 +504,7 @@
           <a:bodyPr/>
           <a:lstStyle/>
           <a:p>
-            <a:fld id="{D641829D-3D28-4E89-AA27-9DF0BE880895}" type="slidenum">
+            <a:fld id="{7EB81167-1EF9-49BF-A2D5-0FEB8B12125C}" type="slidenum">
               <a:rPr lang="zh-CN" altLang="en-US" smtClean="0"/>
               <a:t>‹#›</a:t>
             </a:fld>
@@ -515,7 +515,7 @@
     </p:spTree>
     <p:extLst>
       <p:ext uri="{BB962C8B-B14F-4D97-AF65-F5344CB8AC3E}">
-        <p14:creationId xmlns:p14="http://schemas.microsoft.com/office/powerpoint/2010/main" val="2817290504"/>
+        <p14:creationId xmlns:p14="http://schemas.microsoft.com/office/powerpoint/2010/main" val="3246290536"/>
       </p:ext>
     </p:extLst>
   </p:cSld>
@@ -547,7 +547,7 @@
           <p:cNvPr id="2" name="竖排标题 1">
             <a:extLst>
               <a:ext uri="{FF2B5EF4-FFF2-40B4-BE49-F238E27FC236}">
-                <a16:creationId xmlns:a16="http://schemas.microsoft.com/office/drawing/2014/main" id="{D3FE55A5-73F5-D67F-2CE2-E042C18632A4}"/>
+                <a16:creationId xmlns:a16="http://schemas.microsoft.com/office/drawing/2014/main" id="{D0F7581D-F5FA-92A6-2217-C99C07A43DAC}"/>
               </a:ext>
             </a:extLst>
           </p:cNvPr>
@@ -580,7 +580,7 @@
           <p:cNvPr id="3" name="竖排文字占位符 2">
             <a:extLst>
               <a:ext uri="{FF2B5EF4-FFF2-40B4-BE49-F238E27FC236}">
-                <a16:creationId xmlns:a16="http://schemas.microsoft.com/office/drawing/2014/main" id="{A1C4FA00-703F-8876-4B02-BB70BCF902CA}"/>
+                <a16:creationId xmlns:a16="http://schemas.microsoft.com/office/drawing/2014/main" id="{225203BE-AF13-CF4D-91C6-E005A8712897}"/>
               </a:ext>
             </a:extLst>
           </p:cNvPr>
@@ -642,7 +642,7 @@
           <p:cNvPr id="4" name="日期占位符 3">
             <a:extLst>
               <a:ext uri="{FF2B5EF4-FFF2-40B4-BE49-F238E27FC236}">
-                <a16:creationId xmlns:a16="http://schemas.microsoft.com/office/drawing/2014/main" id="{5E48B5E7-005A-7312-8E18-79F2881AFAF6}"/>
+                <a16:creationId xmlns:a16="http://schemas.microsoft.com/office/drawing/2014/main" id="{86EFC15D-A21B-8243-B22F-F2F0BAA579C1}"/>
               </a:ext>
             </a:extLst>
           </p:cNvPr>
@@ -658,7 +658,7 @@
           <a:bodyPr/>
           <a:lstStyle/>
           <a:p>
-            <a:fld id="{ADD26206-4F1C-4965-922D-35C2241CC94F}" type="datetimeFigureOut">
+            <a:fld id="{B629CF11-856A-4434-A32C-B7958472602F}" type="datetimeFigureOut">
               <a:rPr lang="zh-CN" altLang="en-US" smtClean="0"/>
               <a:t>2024/3/10</a:t>
             </a:fld>
@@ -671,7 +671,7 @@
           <p:cNvPr id="5" name="页脚占位符 4">
             <a:extLst>
               <a:ext uri="{FF2B5EF4-FFF2-40B4-BE49-F238E27FC236}">
-                <a16:creationId xmlns:a16="http://schemas.microsoft.com/office/drawing/2014/main" id="{3691F28D-3133-5D2B-8597-B07577E519DC}"/>
+                <a16:creationId xmlns:a16="http://schemas.microsoft.com/office/drawing/2014/main" id="{440F80E9-18CC-8740-84F6-874D339084C8}"/>
               </a:ext>
             </a:extLst>
           </p:cNvPr>
@@ -696,7 +696,7 @@
           <p:cNvPr id="6" name="灯片编号占位符 5">
             <a:extLst>
               <a:ext uri="{FF2B5EF4-FFF2-40B4-BE49-F238E27FC236}">
-                <a16:creationId xmlns:a16="http://schemas.microsoft.com/office/drawing/2014/main" id="{D6EA3612-D62C-F783-BECB-E5A016063886}"/>
+                <a16:creationId xmlns:a16="http://schemas.microsoft.com/office/drawing/2014/main" id="{1278AF89-7206-5C75-0C1B-0F835AB1F844}"/>
               </a:ext>
             </a:extLst>
           </p:cNvPr>
@@ -712,7 +712,7 @@
           <a:bodyPr/>
           <a:lstStyle/>
           <a:p>
-            <a:fld id="{D641829D-3D28-4E89-AA27-9DF0BE880895}" type="slidenum">
+            <a:fld id="{7EB81167-1EF9-49BF-A2D5-0FEB8B12125C}" type="slidenum">
               <a:rPr lang="zh-CN" altLang="en-US" smtClean="0"/>
               <a:t>‹#›</a:t>
             </a:fld>
@@ -723,7 +723,7 @@
     </p:spTree>
     <p:extLst>
       <p:ext uri="{BB962C8B-B14F-4D97-AF65-F5344CB8AC3E}">
-        <p14:creationId xmlns:p14="http://schemas.microsoft.com/office/powerpoint/2010/main" val="3916607524"/>
+        <p14:creationId xmlns:p14="http://schemas.microsoft.com/office/powerpoint/2010/main" val="3593039909"/>
       </p:ext>
     </p:extLst>
   </p:cSld>
@@ -755,7 +755,7 @@
           <p:cNvPr id="2" name="标题 1">
             <a:extLst>
               <a:ext uri="{FF2B5EF4-FFF2-40B4-BE49-F238E27FC236}">
-                <a16:creationId xmlns:a16="http://schemas.microsoft.com/office/drawing/2014/main" id="{9019FC60-E2D5-3165-4646-FBEC99827D00}"/>
+                <a16:creationId xmlns:a16="http://schemas.microsoft.com/office/drawing/2014/main" id="{2E1AD54D-5529-4588-8836-6442C5470A1B}"/>
               </a:ext>
             </a:extLst>
           </p:cNvPr>
@@ -783,7 +783,7 @@
           <p:cNvPr id="3" name="内容占位符 2">
             <a:extLst>
               <a:ext uri="{FF2B5EF4-FFF2-40B4-BE49-F238E27FC236}">
-                <a16:creationId xmlns:a16="http://schemas.microsoft.com/office/drawing/2014/main" id="{96FB6093-3C75-780E-8336-336FCA92C8F6}"/>
+                <a16:creationId xmlns:a16="http://schemas.microsoft.com/office/drawing/2014/main" id="{382F4247-289D-540C-43F4-B40C35C1F333}"/>
               </a:ext>
             </a:extLst>
           </p:cNvPr>
@@ -840,7 +840,7 @@
           <p:cNvPr id="4" name="日期占位符 3">
             <a:extLst>
               <a:ext uri="{FF2B5EF4-FFF2-40B4-BE49-F238E27FC236}">
-                <a16:creationId xmlns:a16="http://schemas.microsoft.com/office/drawing/2014/main" id="{FA942D3F-7781-E14C-25E4-F34901A89157}"/>
+                <a16:creationId xmlns:a16="http://schemas.microsoft.com/office/drawing/2014/main" id="{7BD86B3B-0CE3-99F4-CE01-B7BC95633CA8}"/>
               </a:ext>
             </a:extLst>
           </p:cNvPr>
@@ -856,7 +856,7 @@
           <a:bodyPr/>
           <a:lstStyle/>
           <a:p>
-            <a:fld id="{ADD26206-4F1C-4965-922D-35C2241CC94F}" type="datetimeFigureOut">
+            <a:fld id="{B629CF11-856A-4434-A32C-B7958472602F}" type="datetimeFigureOut">
               <a:rPr lang="zh-CN" altLang="en-US" smtClean="0"/>
               <a:t>2024/3/10</a:t>
             </a:fld>
@@ -869,7 +869,7 @@
           <p:cNvPr id="5" name="页脚占位符 4">
             <a:extLst>
               <a:ext uri="{FF2B5EF4-FFF2-40B4-BE49-F238E27FC236}">
-                <a16:creationId xmlns:a16="http://schemas.microsoft.com/office/drawing/2014/main" id="{844B7CEE-A7A0-6216-C4B4-81E6FC5612FA}"/>
+                <a16:creationId xmlns:a16="http://schemas.microsoft.com/office/drawing/2014/main" id="{56E68A2A-4701-DA16-6A96-BDADB949C013}"/>
               </a:ext>
             </a:extLst>
           </p:cNvPr>
@@ -894,7 +894,7 @@
           <p:cNvPr id="6" name="灯片编号占位符 5">
             <a:extLst>
               <a:ext uri="{FF2B5EF4-FFF2-40B4-BE49-F238E27FC236}">
-                <a16:creationId xmlns:a16="http://schemas.microsoft.com/office/drawing/2014/main" id="{A8727A81-09AD-ED9F-0019-A6D9CBE62D7D}"/>
+                <a16:creationId xmlns:a16="http://schemas.microsoft.com/office/drawing/2014/main" id="{1072D10A-1BEA-4E89-7E8F-44F9D960197B}"/>
               </a:ext>
             </a:extLst>
           </p:cNvPr>
@@ -910,7 +910,7 @@
           <a:bodyPr/>
           <a:lstStyle/>
           <a:p>
-            <a:fld id="{D641829D-3D28-4E89-AA27-9DF0BE880895}" type="slidenum">
+            <a:fld id="{7EB81167-1EF9-49BF-A2D5-0FEB8B12125C}" type="slidenum">
               <a:rPr lang="zh-CN" altLang="en-US" smtClean="0"/>
               <a:t>‹#›</a:t>
             </a:fld>
@@ -921,7 +921,7 @@
     </p:spTree>
     <p:extLst>
       <p:ext uri="{BB962C8B-B14F-4D97-AF65-F5344CB8AC3E}">
-        <p14:creationId xmlns:p14="http://schemas.microsoft.com/office/powerpoint/2010/main" val="1815986534"/>
+        <p14:creationId xmlns:p14="http://schemas.microsoft.com/office/powerpoint/2010/main" val="1404672681"/>
       </p:ext>
     </p:extLst>
   </p:cSld>
@@ -953,7 +953,7 @@
           <p:cNvPr id="2" name="标题 1">
             <a:extLst>
               <a:ext uri="{FF2B5EF4-FFF2-40B4-BE49-F238E27FC236}">
-                <a16:creationId xmlns:a16="http://schemas.microsoft.com/office/drawing/2014/main" id="{5DA2F14B-1BE8-5E35-7019-6DE2A757DAA5}"/>
+                <a16:creationId xmlns:a16="http://schemas.microsoft.com/office/drawing/2014/main" id="{1725E572-9BA7-6210-A493-8AFDAEE084D4}"/>
               </a:ext>
             </a:extLst>
           </p:cNvPr>
@@ -990,7 +990,7 @@
           <p:cNvPr id="3" name="文本占位符 2">
             <a:extLst>
               <a:ext uri="{FF2B5EF4-FFF2-40B4-BE49-F238E27FC236}">
-                <a16:creationId xmlns:a16="http://schemas.microsoft.com/office/drawing/2014/main" id="{26E03099-F636-D900-3A71-8FB3F6B9405E}"/>
+                <a16:creationId xmlns:a16="http://schemas.microsoft.com/office/drawing/2014/main" id="{78000490-62F4-CA7A-5D46-B867A6D3D728}"/>
               </a:ext>
             </a:extLst>
           </p:cNvPr>
@@ -1115,7 +1115,7 @@
           <p:cNvPr id="4" name="日期占位符 3">
             <a:extLst>
               <a:ext uri="{FF2B5EF4-FFF2-40B4-BE49-F238E27FC236}">
-                <a16:creationId xmlns:a16="http://schemas.microsoft.com/office/drawing/2014/main" id="{1BAF0918-D4A4-DF0C-F3E5-4B000BF28714}"/>
+                <a16:creationId xmlns:a16="http://schemas.microsoft.com/office/drawing/2014/main" id="{BCD7C180-D096-B88C-C609-3D66846D4EE0}"/>
               </a:ext>
             </a:extLst>
           </p:cNvPr>
@@ -1131,7 +1131,7 @@
           <a:bodyPr/>
           <a:lstStyle/>
           <a:p>
-            <a:fld id="{ADD26206-4F1C-4965-922D-35C2241CC94F}" type="datetimeFigureOut">
+            <a:fld id="{B629CF11-856A-4434-A32C-B7958472602F}" type="datetimeFigureOut">
               <a:rPr lang="zh-CN" altLang="en-US" smtClean="0"/>
               <a:t>2024/3/10</a:t>
             </a:fld>
@@ -1144,7 +1144,7 @@
           <p:cNvPr id="5" name="页脚占位符 4">
             <a:extLst>
               <a:ext uri="{FF2B5EF4-FFF2-40B4-BE49-F238E27FC236}">
-                <a16:creationId xmlns:a16="http://schemas.microsoft.com/office/drawing/2014/main" id="{54F173EE-9D1C-6EBB-AA53-E29EBEDBE58F}"/>
+                <a16:creationId xmlns:a16="http://schemas.microsoft.com/office/drawing/2014/main" id="{7A06F912-2273-3FD1-62A2-5106A0B73D96}"/>
               </a:ext>
             </a:extLst>
           </p:cNvPr>
@@ -1169,7 +1169,7 @@
           <p:cNvPr id="6" name="灯片编号占位符 5">
             <a:extLst>
               <a:ext uri="{FF2B5EF4-FFF2-40B4-BE49-F238E27FC236}">
-                <a16:creationId xmlns:a16="http://schemas.microsoft.com/office/drawing/2014/main" id="{B29D28ED-409C-93A5-FF1E-3F0E1EF17627}"/>
+                <a16:creationId xmlns:a16="http://schemas.microsoft.com/office/drawing/2014/main" id="{7E1854A4-FED3-9293-1B6E-0335452C8BF9}"/>
               </a:ext>
             </a:extLst>
           </p:cNvPr>
@@ -1185,7 +1185,7 @@
           <a:bodyPr/>
           <a:lstStyle/>
           <a:p>
-            <a:fld id="{D641829D-3D28-4E89-AA27-9DF0BE880895}" type="slidenum">
+            <a:fld id="{7EB81167-1EF9-49BF-A2D5-0FEB8B12125C}" type="slidenum">
               <a:rPr lang="zh-CN" altLang="en-US" smtClean="0"/>
               <a:t>‹#›</a:t>
             </a:fld>
@@ -1196,7 +1196,7 @@
     </p:spTree>
     <p:extLst>
       <p:ext uri="{BB962C8B-B14F-4D97-AF65-F5344CB8AC3E}">
-        <p14:creationId xmlns:p14="http://schemas.microsoft.com/office/powerpoint/2010/main" val="3314714789"/>
+        <p14:creationId xmlns:p14="http://schemas.microsoft.com/office/powerpoint/2010/main" val="3339961393"/>
       </p:ext>
     </p:extLst>
   </p:cSld>
@@ -1228,7 +1228,7 @@
           <p:cNvPr id="2" name="标题 1">
             <a:extLst>
               <a:ext uri="{FF2B5EF4-FFF2-40B4-BE49-F238E27FC236}">
-                <a16:creationId xmlns:a16="http://schemas.microsoft.com/office/drawing/2014/main" id="{A383BD3E-32DB-16EA-6E83-CAA7632D08F5}"/>
+                <a16:creationId xmlns:a16="http://schemas.microsoft.com/office/drawing/2014/main" id="{B632EAA4-A59A-A27C-176C-93737CAAC307}"/>
               </a:ext>
             </a:extLst>
           </p:cNvPr>
@@ -1256,7 +1256,7 @@
           <p:cNvPr id="3" name="内容占位符 2">
             <a:extLst>
               <a:ext uri="{FF2B5EF4-FFF2-40B4-BE49-F238E27FC236}">
-                <a16:creationId xmlns:a16="http://schemas.microsoft.com/office/drawing/2014/main" id="{E8848AD1-888A-DBF4-CD49-29360D6EF27B}"/>
+                <a16:creationId xmlns:a16="http://schemas.microsoft.com/office/drawing/2014/main" id="{056FAA27-B235-4784-40EE-054B71AEC110}"/>
               </a:ext>
             </a:extLst>
           </p:cNvPr>
@@ -1318,7 +1318,7 @@
           <p:cNvPr id="4" name="内容占位符 3">
             <a:extLst>
               <a:ext uri="{FF2B5EF4-FFF2-40B4-BE49-F238E27FC236}">
-                <a16:creationId xmlns:a16="http://schemas.microsoft.com/office/drawing/2014/main" id="{30BD16F9-D4BE-A27D-B4E9-85E4545AF5E7}"/>
+                <a16:creationId xmlns:a16="http://schemas.microsoft.com/office/drawing/2014/main" id="{03132954-175A-051C-EF30-008AA42ACCF6}"/>
               </a:ext>
             </a:extLst>
           </p:cNvPr>
@@ -1380,7 +1380,7 @@
           <p:cNvPr id="5" name="日期占位符 4">
             <a:extLst>
               <a:ext uri="{FF2B5EF4-FFF2-40B4-BE49-F238E27FC236}">
-                <a16:creationId xmlns:a16="http://schemas.microsoft.com/office/drawing/2014/main" id="{8E22B7DE-DEF2-4A01-4E10-79975DF7D181}"/>
+                <a16:creationId xmlns:a16="http://schemas.microsoft.com/office/drawing/2014/main" id="{5B20758B-7184-595C-0509-7715E6A580F0}"/>
               </a:ext>
             </a:extLst>
           </p:cNvPr>
@@ -1396,7 +1396,7 @@
           <a:bodyPr/>
           <a:lstStyle/>
           <a:p>
-            <a:fld id="{ADD26206-4F1C-4965-922D-35C2241CC94F}" type="datetimeFigureOut">
+            <a:fld id="{B629CF11-856A-4434-A32C-B7958472602F}" type="datetimeFigureOut">
               <a:rPr lang="zh-CN" altLang="en-US" smtClean="0"/>
               <a:t>2024/3/10</a:t>
             </a:fld>
@@ -1409,7 +1409,7 @@
           <p:cNvPr id="6" name="页脚占位符 5">
             <a:extLst>
               <a:ext uri="{FF2B5EF4-FFF2-40B4-BE49-F238E27FC236}">
-                <a16:creationId xmlns:a16="http://schemas.microsoft.com/office/drawing/2014/main" id="{725B5F2B-7206-13D2-A343-84543EE4101A}"/>
+                <a16:creationId xmlns:a16="http://schemas.microsoft.com/office/drawing/2014/main" id="{831CE648-E91E-1AE5-5AC1-C1755C414E1B}"/>
               </a:ext>
             </a:extLst>
           </p:cNvPr>
@@ -1434,7 +1434,7 @@
           <p:cNvPr id="7" name="灯片编号占位符 6">
             <a:extLst>
               <a:ext uri="{FF2B5EF4-FFF2-40B4-BE49-F238E27FC236}">
-                <a16:creationId xmlns:a16="http://schemas.microsoft.com/office/drawing/2014/main" id="{BD844613-D4E1-98B9-9AC1-C85808D8286B}"/>
+                <a16:creationId xmlns:a16="http://schemas.microsoft.com/office/drawing/2014/main" id="{9A44F556-E648-0A92-8ACB-BE0B4F1A5008}"/>
               </a:ext>
             </a:extLst>
           </p:cNvPr>
@@ -1450,7 +1450,7 @@
           <a:bodyPr/>
           <a:lstStyle/>
           <a:p>
-            <a:fld id="{D641829D-3D28-4E89-AA27-9DF0BE880895}" type="slidenum">
+            <a:fld id="{7EB81167-1EF9-49BF-A2D5-0FEB8B12125C}" type="slidenum">
               <a:rPr lang="zh-CN" altLang="en-US" smtClean="0"/>
               <a:t>‹#›</a:t>
             </a:fld>
@@ -1461,7 +1461,7 @@
     </p:spTree>
     <p:extLst>
       <p:ext uri="{BB962C8B-B14F-4D97-AF65-F5344CB8AC3E}">
-        <p14:creationId xmlns:p14="http://schemas.microsoft.com/office/powerpoint/2010/main" val="1546718581"/>
+        <p14:creationId xmlns:p14="http://schemas.microsoft.com/office/powerpoint/2010/main" val="142845123"/>
       </p:ext>
     </p:extLst>
   </p:cSld>
@@ -1493,7 +1493,7 @@
           <p:cNvPr id="2" name="标题 1">
             <a:extLst>
               <a:ext uri="{FF2B5EF4-FFF2-40B4-BE49-F238E27FC236}">
-                <a16:creationId xmlns:a16="http://schemas.microsoft.com/office/drawing/2014/main" id="{FD1868A4-E956-3CAB-E43E-666E5FDC288E}"/>
+                <a16:creationId xmlns:a16="http://schemas.microsoft.com/office/drawing/2014/main" id="{72342730-73DD-0F95-8B8D-5CCCE770E7B9}"/>
               </a:ext>
             </a:extLst>
           </p:cNvPr>
@@ -1526,7 +1526,7 @@
           <p:cNvPr id="3" name="文本占位符 2">
             <a:extLst>
               <a:ext uri="{FF2B5EF4-FFF2-40B4-BE49-F238E27FC236}">
-                <a16:creationId xmlns:a16="http://schemas.microsoft.com/office/drawing/2014/main" id="{173A61A4-EFEC-6086-ECF8-87AA80745E1E}"/>
+                <a16:creationId xmlns:a16="http://schemas.microsoft.com/office/drawing/2014/main" id="{6E22C63E-0466-ACAA-32BA-6708359E049A}"/>
               </a:ext>
             </a:extLst>
           </p:cNvPr>
@@ -1597,7 +1597,7 @@
           <p:cNvPr id="4" name="内容占位符 3">
             <a:extLst>
               <a:ext uri="{FF2B5EF4-FFF2-40B4-BE49-F238E27FC236}">
-                <a16:creationId xmlns:a16="http://schemas.microsoft.com/office/drawing/2014/main" id="{FA045550-3695-06C4-969C-1344A7B0B14B}"/>
+                <a16:creationId xmlns:a16="http://schemas.microsoft.com/office/drawing/2014/main" id="{0558D465-25D8-CBAA-B642-A7B3B8133D61}"/>
               </a:ext>
             </a:extLst>
           </p:cNvPr>
@@ -1659,7 +1659,7 @@
           <p:cNvPr id="5" name="文本占位符 4">
             <a:extLst>
               <a:ext uri="{FF2B5EF4-FFF2-40B4-BE49-F238E27FC236}">
-                <a16:creationId xmlns:a16="http://schemas.microsoft.com/office/drawing/2014/main" id="{CAF25DA9-6469-E06C-5EF0-870F2DA33F4D}"/>
+                <a16:creationId xmlns:a16="http://schemas.microsoft.com/office/drawing/2014/main" id="{4D05ED37-B06E-EA7E-E565-B1E4E6CC2704}"/>
               </a:ext>
             </a:extLst>
           </p:cNvPr>
@@ -1730,7 +1730,7 @@
           <p:cNvPr id="6" name="内容占位符 5">
             <a:extLst>
               <a:ext uri="{FF2B5EF4-FFF2-40B4-BE49-F238E27FC236}">
-                <a16:creationId xmlns:a16="http://schemas.microsoft.com/office/drawing/2014/main" id="{B17AAAF1-3293-26F4-952C-396A111817DB}"/>
+                <a16:creationId xmlns:a16="http://schemas.microsoft.com/office/drawing/2014/main" id="{015B4C8D-FA87-7D10-7D55-794B0B433E5F}"/>
               </a:ext>
             </a:extLst>
           </p:cNvPr>
@@ -1792,7 +1792,7 @@
           <p:cNvPr id="7" name="日期占位符 6">
             <a:extLst>
               <a:ext uri="{FF2B5EF4-FFF2-40B4-BE49-F238E27FC236}">
-                <a16:creationId xmlns:a16="http://schemas.microsoft.com/office/drawing/2014/main" id="{C9D587C1-7C1A-C9CF-AF37-AE3A232A7186}"/>
+                <a16:creationId xmlns:a16="http://schemas.microsoft.com/office/drawing/2014/main" id="{6D1E6904-EFFF-AE85-C833-3A6CBA3F2322}"/>
               </a:ext>
             </a:extLst>
           </p:cNvPr>
@@ -1808,7 +1808,7 @@
           <a:bodyPr/>
           <a:lstStyle/>
           <a:p>
-            <a:fld id="{ADD26206-4F1C-4965-922D-35C2241CC94F}" type="datetimeFigureOut">
+            <a:fld id="{B629CF11-856A-4434-A32C-B7958472602F}" type="datetimeFigureOut">
               <a:rPr lang="zh-CN" altLang="en-US" smtClean="0"/>
               <a:t>2024/3/10</a:t>
             </a:fld>
@@ -1821,7 +1821,7 @@
           <p:cNvPr id="8" name="页脚占位符 7">
             <a:extLst>
               <a:ext uri="{FF2B5EF4-FFF2-40B4-BE49-F238E27FC236}">
-                <a16:creationId xmlns:a16="http://schemas.microsoft.com/office/drawing/2014/main" id="{F706D0ED-ADC0-776F-9000-FA548F5767B3}"/>
+                <a16:creationId xmlns:a16="http://schemas.microsoft.com/office/drawing/2014/main" id="{2BF567D6-D255-793C-C373-ACD8B12AB779}"/>
               </a:ext>
             </a:extLst>
           </p:cNvPr>
@@ -1846,7 +1846,7 @@
           <p:cNvPr id="9" name="灯片编号占位符 8">
             <a:extLst>
               <a:ext uri="{FF2B5EF4-FFF2-40B4-BE49-F238E27FC236}">
-                <a16:creationId xmlns:a16="http://schemas.microsoft.com/office/drawing/2014/main" id="{F2FFAE46-FBFB-A5F2-51E0-CDD6F09B5A77}"/>
+                <a16:creationId xmlns:a16="http://schemas.microsoft.com/office/drawing/2014/main" id="{14E9EC69-6A90-6E17-497A-073E117CCC33}"/>
               </a:ext>
             </a:extLst>
           </p:cNvPr>
@@ -1862,7 +1862,7 @@
           <a:bodyPr/>
           <a:lstStyle/>
           <a:p>
-            <a:fld id="{D641829D-3D28-4E89-AA27-9DF0BE880895}" type="slidenum">
+            <a:fld id="{7EB81167-1EF9-49BF-A2D5-0FEB8B12125C}" type="slidenum">
               <a:rPr lang="zh-CN" altLang="en-US" smtClean="0"/>
               <a:t>‹#›</a:t>
             </a:fld>
@@ -1873,7 +1873,7 @@
     </p:spTree>
     <p:extLst>
       <p:ext uri="{BB962C8B-B14F-4D97-AF65-F5344CB8AC3E}">
-        <p14:creationId xmlns:p14="http://schemas.microsoft.com/office/powerpoint/2010/main" val="2514631240"/>
+        <p14:creationId xmlns:p14="http://schemas.microsoft.com/office/powerpoint/2010/main" val="1584385958"/>
       </p:ext>
     </p:extLst>
   </p:cSld>
@@ -1905,7 +1905,7 @@
           <p:cNvPr id="2" name="标题 1">
             <a:extLst>
               <a:ext uri="{FF2B5EF4-FFF2-40B4-BE49-F238E27FC236}">
-                <a16:creationId xmlns:a16="http://schemas.microsoft.com/office/drawing/2014/main" id="{D877A83B-1028-1388-65F3-E2F5A0EB4DEE}"/>
+                <a16:creationId xmlns:a16="http://schemas.microsoft.com/office/drawing/2014/main" id="{93A28E53-1E7E-58B9-7CDC-FD7116D5D4A8}"/>
               </a:ext>
             </a:extLst>
           </p:cNvPr>
@@ -1933,7 +1933,7 @@
           <p:cNvPr id="3" name="日期占位符 2">
             <a:extLst>
               <a:ext uri="{FF2B5EF4-FFF2-40B4-BE49-F238E27FC236}">
-                <a16:creationId xmlns:a16="http://schemas.microsoft.com/office/drawing/2014/main" id="{55E287AB-98B3-4A5B-E083-2BE662669448}"/>
+                <a16:creationId xmlns:a16="http://schemas.microsoft.com/office/drawing/2014/main" id="{C5C98A96-9D38-F5B3-5F9C-F9A3AA9E84E9}"/>
               </a:ext>
             </a:extLst>
           </p:cNvPr>
@@ -1949,7 +1949,7 @@
           <a:bodyPr/>
           <a:lstStyle/>
           <a:p>
-            <a:fld id="{ADD26206-4F1C-4965-922D-35C2241CC94F}" type="datetimeFigureOut">
+            <a:fld id="{B629CF11-856A-4434-A32C-B7958472602F}" type="datetimeFigureOut">
               <a:rPr lang="zh-CN" altLang="en-US" smtClean="0"/>
               <a:t>2024/3/10</a:t>
             </a:fld>
@@ -1962,7 +1962,7 @@
           <p:cNvPr id="4" name="页脚占位符 3">
             <a:extLst>
               <a:ext uri="{FF2B5EF4-FFF2-40B4-BE49-F238E27FC236}">
-                <a16:creationId xmlns:a16="http://schemas.microsoft.com/office/drawing/2014/main" id="{341D61B4-47BB-B4DC-ED2B-B359A81179D9}"/>
+                <a16:creationId xmlns:a16="http://schemas.microsoft.com/office/drawing/2014/main" id="{BC0B5131-593A-262F-2960-AA56655AFFCF}"/>
               </a:ext>
             </a:extLst>
           </p:cNvPr>
@@ -1987,7 +1987,7 @@
           <p:cNvPr id="5" name="灯片编号占位符 4">
             <a:extLst>
               <a:ext uri="{FF2B5EF4-FFF2-40B4-BE49-F238E27FC236}">
-                <a16:creationId xmlns:a16="http://schemas.microsoft.com/office/drawing/2014/main" id="{D68533F4-3591-0976-C433-332EEA1612AD}"/>
+                <a16:creationId xmlns:a16="http://schemas.microsoft.com/office/drawing/2014/main" id="{F10A8CC1-3BE6-5A03-2697-226C64ED1108}"/>
               </a:ext>
             </a:extLst>
           </p:cNvPr>
@@ -2003,7 +2003,7 @@
           <a:bodyPr/>
           <a:lstStyle/>
           <a:p>
-            <a:fld id="{D641829D-3D28-4E89-AA27-9DF0BE880895}" type="slidenum">
+            <a:fld id="{7EB81167-1EF9-49BF-A2D5-0FEB8B12125C}" type="slidenum">
               <a:rPr lang="zh-CN" altLang="en-US" smtClean="0"/>
               <a:t>‹#›</a:t>
             </a:fld>
@@ -2014,7 +2014,7 @@
     </p:spTree>
     <p:extLst>
       <p:ext uri="{BB962C8B-B14F-4D97-AF65-F5344CB8AC3E}">
-        <p14:creationId xmlns:p14="http://schemas.microsoft.com/office/powerpoint/2010/main" val="1348702878"/>
+        <p14:creationId xmlns:p14="http://schemas.microsoft.com/office/powerpoint/2010/main" val="3400491144"/>
       </p:ext>
     </p:extLst>
   </p:cSld>
@@ -2046,7 +2046,7 @@
           <p:cNvPr id="2" name="日期占位符 1">
             <a:extLst>
               <a:ext uri="{FF2B5EF4-FFF2-40B4-BE49-F238E27FC236}">
-                <a16:creationId xmlns:a16="http://schemas.microsoft.com/office/drawing/2014/main" id="{A7696A04-CB19-C90B-9A4F-0C4B216E2B54}"/>
+                <a16:creationId xmlns:a16="http://schemas.microsoft.com/office/drawing/2014/main" id="{87A8CE54-065E-A1AE-A5A3-803DFB6D89A9}"/>
               </a:ext>
             </a:extLst>
           </p:cNvPr>
@@ -2062,7 +2062,7 @@
           <a:bodyPr/>
           <a:lstStyle/>
           <a:p>
-            <a:fld id="{ADD26206-4F1C-4965-922D-35C2241CC94F}" type="datetimeFigureOut">
+            <a:fld id="{B629CF11-856A-4434-A32C-B7958472602F}" type="datetimeFigureOut">
               <a:rPr lang="zh-CN" altLang="en-US" smtClean="0"/>
               <a:t>2024/3/10</a:t>
             </a:fld>
@@ -2075,7 +2075,7 @@
           <p:cNvPr id="3" name="页脚占位符 2">
             <a:extLst>
               <a:ext uri="{FF2B5EF4-FFF2-40B4-BE49-F238E27FC236}">
-                <a16:creationId xmlns:a16="http://schemas.microsoft.com/office/drawing/2014/main" id="{42BB48BA-473B-4250-6811-CC87F8FDE9F0}"/>
+                <a16:creationId xmlns:a16="http://schemas.microsoft.com/office/drawing/2014/main" id="{107BEE6F-0402-1DE9-AA8D-C1D97F22121E}"/>
               </a:ext>
             </a:extLst>
           </p:cNvPr>
@@ -2100,7 +2100,7 @@
           <p:cNvPr id="4" name="灯片编号占位符 3">
             <a:extLst>
               <a:ext uri="{FF2B5EF4-FFF2-40B4-BE49-F238E27FC236}">
-                <a16:creationId xmlns:a16="http://schemas.microsoft.com/office/drawing/2014/main" id="{8F48FD8E-2965-4B88-0C7F-C37FC2D3BB23}"/>
+                <a16:creationId xmlns:a16="http://schemas.microsoft.com/office/drawing/2014/main" id="{799FF32A-99DC-3264-05DA-4580B077B0AD}"/>
               </a:ext>
             </a:extLst>
           </p:cNvPr>
@@ -2116,7 +2116,7 @@
           <a:bodyPr/>
           <a:lstStyle/>
           <a:p>
-            <a:fld id="{D641829D-3D28-4E89-AA27-9DF0BE880895}" type="slidenum">
+            <a:fld id="{7EB81167-1EF9-49BF-A2D5-0FEB8B12125C}" type="slidenum">
               <a:rPr lang="zh-CN" altLang="en-US" smtClean="0"/>
               <a:t>‹#›</a:t>
             </a:fld>
@@ -2127,7 +2127,7 @@
     </p:spTree>
     <p:extLst>
       <p:ext uri="{BB962C8B-B14F-4D97-AF65-F5344CB8AC3E}">
-        <p14:creationId xmlns:p14="http://schemas.microsoft.com/office/powerpoint/2010/main" val="4244813493"/>
+        <p14:creationId xmlns:p14="http://schemas.microsoft.com/office/powerpoint/2010/main" val="1655976303"/>
       </p:ext>
     </p:extLst>
   </p:cSld>
@@ -2159,7 +2159,7 @@
           <p:cNvPr id="2" name="标题 1">
             <a:extLst>
               <a:ext uri="{FF2B5EF4-FFF2-40B4-BE49-F238E27FC236}">
-                <a16:creationId xmlns:a16="http://schemas.microsoft.com/office/drawing/2014/main" id="{AB965602-D9C0-7AA9-5038-3F5C48245388}"/>
+                <a16:creationId xmlns:a16="http://schemas.microsoft.com/office/drawing/2014/main" id="{E5680975-9CD7-AFEC-91FD-E8F545E1B0DB}"/>
               </a:ext>
             </a:extLst>
           </p:cNvPr>
@@ -2196,7 +2196,7 @@
           <p:cNvPr id="3" name="内容占位符 2">
             <a:extLst>
               <a:ext uri="{FF2B5EF4-FFF2-40B4-BE49-F238E27FC236}">
-                <a16:creationId xmlns:a16="http://schemas.microsoft.com/office/drawing/2014/main" id="{143D02D0-BFBF-A3E3-573E-9D6C5F4DF19C}"/>
+                <a16:creationId xmlns:a16="http://schemas.microsoft.com/office/drawing/2014/main" id="{11D5EF4D-8A9F-EA14-9948-FAFA23EE4AE9}"/>
               </a:ext>
             </a:extLst>
           </p:cNvPr>
@@ -2286,7 +2286,7 @@
           <p:cNvPr id="4" name="文本占位符 3">
             <a:extLst>
               <a:ext uri="{FF2B5EF4-FFF2-40B4-BE49-F238E27FC236}">
-                <a16:creationId xmlns:a16="http://schemas.microsoft.com/office/drawing/2014/main" id="{B2C6CF2F-CFF8-9FF8-BD14-B7C7850356A5}"/>
+                <a16:creationId xmlns:a16="http://schemas.microsoft.com/office/drawing/2014/main" id="{1480EFA9-C2EC-A121-BAD9-30E4C7FAE077}"/>
               </a:ext>
             </a:extLst>
           </p:cNvPr>
@@ -2357,7 +2357,7 @@
           <p:cNvPr id="5" name="日期占位符 4">
             <a:extLst>
               <a:ext uri="{FF2B5EF4-FFF2-40B4-BE49-F238E27FC236}">
-                <a16:creationId xmlns:a16="http://schemas.microsoft.com/office/drawing/2014/main" id="{990FEE56-1BBD-A61C-6255-08F78F2B5860}"/>
+                <a16:creationId xmlns:a16="http://schemas.microsoft.com/office/drawing/2014/main" id="{154E665C-55B3-5053-FC34-55E92CF75F0D}"/>
               </a:ext>
             </a:extLst>
           </p:cNvPr>
@@ -2373,7 +2373,7 @@
           <a:bodyPr/>
           <a:lstStyle/>
           <a:p>
-            <a:fld id="{ADD26206-4F1C-4965-922D-35C2241CC94F}" type="datetimeFigureOut">
+            <a:fld id="{B629CF11-856A-4434-A32C-B7958472602F}" type="datetimeFigureOut">
               <a:rPr lang="zh-CN" altLang="en-US" smtClean="0"/>
               <a:t>2024/3/10</a:t>
             </a:fld>
@@ -2386,7 +2386,7 @@
           <p:cNvPr id="6" name="页脚占位符 5">
             <a:extLst>
               <a:ext uri="{FF2B5EF4-FFF2-40B4-BE49-F238E27FC236}">
-                <a16:creationId xmlns:a16="http://schemas.microsoft.com/office/drawing/2014/main" id="{5909F1E3-697B-C3C0-8B8E-F52B4BE4E792}"/>
+                <a16:creationId xmlns:a16="http://schemas.microsoft.com/office/drawing/2014/main" id="{DA5D2255-D32D-68BA-B4E0-838E64F76179}"/>
               </a:ext>
             </a:extLst>
           </p:cNvPr>
@@ -2411,7 +2411,7 @@
           <p:cNvPr id="7" name="灯片编号占位符 6">
             <a:extLst>
               <a:ext uri="{FF2B5EF4-FFF2-40B4-BE49-F238E27FC236}">
-                <a16:creationId xmlns:a16="http://schemas.microsoft.com/office/drawing/2014/main" id="{2972AE6A-3E9C-6807-8BC3-9FDD1A28F456}"/>
+                <a16:creationId xmlns:a16="http://schemas.microsoft.com/office/drawing/2014/main" id="{74CDA676-1B64-219A-B3D5-AF05ADEF9C80}"/>
               </a:ext>
             </a:extLst>
           </p:cNvPr>
@@ -2427,7 +2427,7 @@
           <a:bodyPr/>
           <a:lstStyle/>
           <a:p>
-            <a:fld id="{D641829D-3D28-4E89-AA27-9DF0BE880895}" type="slidenum">
+            <a:fld id="{7EB81167-1EF9-49BF-A2D5-0FEB8B12125C}" type="slidenum">
               <a:rPr lang="zh-CN" altLang="en-US" smtClean="0"/>
               <a:t>‹#›</a:t>
             </a:fld>
@@ -2438,7 +2438,7 @@
     </p:spTree>
     <p:extLst>
       <p:ext uri="{BB962C8B-B14F-4D97-AF65-F5344CB8AC3E}">
-        <p14:creationId xmlns:p14="http://schemas.microsoft.com/office/powerpoint/2010/main" val="2699935917"/>
+        <p14:creationId xmlns:p14="http://schemas.microsoft.com/office/powerpoint/2010/main" val="3154796609"/>
       </p:ext>
     </p:extLst>
   </p:cSld>
@@ -2470,7 +2470,7 @@
           <p:cNvPr id="2" name="标题 1">
             <a:extLst>
               <a:ext uri="{FF2B5EF4-FFF2-40B4-BE49-F238E27FC236}">
-                <a16:creationId xmlns:a16="http://schemas.microsoft.com/office/drawing/2014/main" id="{F6113290-38AF-7735-652C-72CAF87BB152}"/>
+                <a16:creationId xmlns:a16="http://schemas.microsoft.com/office/drawing/2014/main" id="{876AA1D0-8169-A9BE-AABF-29F3FE6BBD89}"/>
               </a:ext>
             </a:extLst>
           </p:cNvPr>
@@ -2507,7 +2507,7 @@
           <p:cNvPr id="3" name="图片占位符 2">
             <a:extLst>
               <a:ext uri="{FF2B5EF4-FFF2-40B4-BE49-F238E27FC236}">
-                <a16:creationId xmlns:a16="http://schemas.microsoft.com/office/drawing/2014/main" id="{C2681564-7B48-A741-6E2B-A18660BABC96}"/>
+                <a16:creationId xmlns:a16="http://schemas.microsoft.com/office/drawing/2014/main" id="{E4D2A029-27D5-43E3-2840-821A31A516CC}"/>
               </a:ext>
             </a:extLst>
           </p:cNvPr>
@@ -2574,7 +2574,7 @@
           <p:cNvPr id="4" name="文本占位符 3">
             <a:extLst>
               <a:ext uri="{FF2B5EF4-FFF2-40B4-BE49-F238E27FC236}">
-                <a16:creationId xmlns:a16="http://schemas.microsoft.com/office/drawing/2014/main" id="{693FF3A9-08B3-6754-849A-296CA41F3960}"/>
+                <a16:creationId xmlns:a16="http://schemas.microsoft.com/office/drawing/2014/main" id="{C37AC7F2-052C-F401-D26C-DE1E11EACF30}"/>
               </a:ext>
             </a:extLst>
           </p:cNvPr>
@@ -2645,7 +2645,7 @@
           <p:cNvPr id="5" name="日期占位符 4">
             <a:extLst>
               <a:ext uri="{FF2B5EF4-FFF2-40B4-BE49-F238E27FC236}">
-                <a16:creationId xmlns:a16="http://schemas.microsoft.com/office/drawing/2014/main" id="{9F92534C-9DE1-5D8D-9178-83BCF6CB9170}"/>
+                <a16:creationId xmlns:a16="http://schemas.microsoft.com/office/drawing/2014/main" id="{AD830FF9-924D-6010-6171-13D489202DF4}"/>
               </a:ext>
             </a:extLst>
           </p:cNvPr>
@@ -2661,7 +2661,7 @@
           <a:bodyPr/>
           <a:lstStyle/>
           <a:p>
-            <a:fld id="{ADD26206-4F1C-4965-922D-35C2241CC94F}" type="datetimeFigureOut">
+            <a:fld id="{B629CF11-856A-4434-A32C-B7958472602F}" type="datetimeFigureOut">
               <a:rPr lang="zh-CN" altLang="en-US" smtClean="0"/>
               <a:t>2024/3/10</a:t>
             </a:fld>
@@ -2674,7 +2674,7 @@
           <p:cNvPr id="6" name="页脚占位符 5">
             <a:extLst>
               <a:ext uri="{FF2B5EF4-FFF2-40B4-BE49-F238E27FC236}">
-                <a16:creationId xmlns:a16="http://schemas.microsoft.com/office/drawing/2014/main" id="{8A13B9B4-374B-528A-D0F6-1E38771C951C}"/>
+                <a16:creationId xmlns:a16="http://schemas.microsoft.com/office/drawing/2014/main" id="{ED25447A-2933-C31A-D4E3-FC20B313BFE2}"/>
               </a:ext>
             </a:extLst>
           </p:cNvPr>
@@ -2699,7 +2699,7 @@
           <p:cNvPr id="7" name="灯片编号占位符 6">
             <a:extLst>
               <a:ext uri="{FF2B5EF4-FFF2-40B4-BE49-F238E27FC236}">
-                <a16:creationId xmlns:a16="http://schemas.microsoft.com/office/drawing/2014/main" id="{61C82A8C-7A2A-BCB2-8323-A3EDCB7A681A}"/>
+                <a16:creationId xmlns:a16="http://schemas.microsoft.com/office/drawing/2014/main" id="{DCDEA75F-FDBD-FEE1-E69C-0780F926C9BB}"/>
               </a:ext>
             </a:extLst>
           </p:cNvPr>
@@ -2715,7 +2715,7 @@
           <a:bodyPr/>
           <a:lstStyle/>
           <a:p>
-            <a:fld id="{D641829D-3D28-4E89-AA27-9DF0BE880895}" type="slidenum">
+            <a:fld id="{7EB81167-1EF9-49BF-A2D5-0FEB8B12125C}" type="slidenum">
               <a:rPr lang="zh-CN" altLang="en-US" smtClean="0"/>
               <a:t>‹#›</a:t>
             </a:fld>
@@ -2726,7 +2726,7 @@
     </p:spTree>
     <p:extLst>
       <p:ext uri="{BB962C8B-B14F-4D97-AF65-F5344CB8AC3E}">
-        <p14:creationId xmlns:p14="http://schemas.microsoft.com/office/powerpoint/2010/main" val="2407739484"/>
+        <p14:creationId xmlns:p14="http://schemas.microsoft.com/office/powerpoint/2010/main" val="315696320"/>
       </p:ext>
     </p:extLst>
   </p:cSld>
@@ -2763,7 +2763,7 @@
           <p:cNvPr id="2" name="标题占位符 1">
             <a:extLst>
               <a:ext uri="{FF2B5EF4-FFF2-40B4-BE49-F238E27FC236}">
-                <a16:creationId xmlns:a16="http://schemas.microsoft.com/office/drawing/2014/main" id="{978DCF1B-62BE-9A98-3DF9-64DC03B01C53}"/>
+                <a16:creationId xmlns:a16="http://schemas.microsoft.com/office/drawing/2014/main" id="{AFC2A3D6-EAC6-E8B7-23A1-A0140E26B0A6}"/>
               </a:ext>
             </a:extLst>
           </p:cNvPr>
@@ -2801,7 +2801,7 @@
           <p:cNvPr id="3" name="文本占位符 2">
             <a:extLst>
               <a:ext uri="{FF2B5EF4-FFF2-40B4-BE49-F238E27FC236}">
-                <a16:creationId xmlns:a16="http://schemas.microsoft.com/office/drawing/2014/main" id="{5CCF9E99-50E1-8195-FF51-97A78FC3E1DA}"/>
+                <a16:creationId xmlns:a16="http://schemas.microsoft.com/office/drawing/2014/main" id="{8AE4AF3A-42EB-2C95-66F8-6EA4BC9767F4}"/>
               </a:ext>
             </a:extLst>
           </p:cNvPr>
@@ -2868,7 +2868,7 @@
           <p:cNvPr id="4" name="日期占位符 3">
             <a:extLst>
               <a:ext uri="{FF2B5EF4-FFF2-40B4-BE49-F238E27FC236}">
-                <a16:creationId xmlns:a16="http://schemas.microsoft.com/office/drawing/2014/main" id="{AF6C6641-696B-5A1A-2599-AC0BE461AF44}"/>
+                <a16:creationId xmlns:a16="http://schemas.microsoft.com/office/drawing/2014/main" id="{DFCC5502-4E14-1326-8401-A7D7C4575559}"/>
               </a:ext>
             </a:extLst>
           </p:cNvPr>
@@ -2902,7 +2902,7 @@
             </a:lvl1pPr>
           </a:lstStyle>
           <a:p>
-            <a:fld id="{ADD26206-4F1C-4965-922D-35C2241CC94F}" type="datetimeFigureOut">
+            <a:fld id="{B629CF11-856A-4434-A32C-B7958472602F}" type="datetimeFigureOut">
               <a:rPr lang="zh-CN" altLang="en-US" smtClean="0"/>
               <a:t>2024/3/10</a:t>
             </a:fld>
@@ -2915,7 +2915,7 @@
           <p:cNvPr id="5" name="页脚占位符 4">
             <a:extLst>
               <a:ext uri="{FF2B5EF4-FFF2-40B4-BE49-F238E27FC236}">
-                <a16:creationId xmlns:a16="http://schemas.microsoft.com/office/drawing/2014/main" id="{68A1DF52-217C-C111-FFA2-19A55B373691}"/>
+                <a16:creationId xmlns:a16="http://schemas.microsoft.com/office/drawing/2014/main" id="{1AE2C600-6FF5-D2BF-77C1-67FF82518CE6}"/>
               </a:ext>
             </a:extLst>
           </p:cNvPr>
@@ -2958,7 +2958,7 @@
           <p:cNvPr id="6" name="灯片编号占位符 5">
             <a:extLst>
               <a:ext uri="{FF2B5EF4-FFF2-40B4-BE49-F238E27FC236}">
-                <a16:creationId xmlns:a16="http://schemas.microsoft.com/office/drawing/2014/main" id="{A3781C4D-C722-F37E-2574-957860496F39}"/>
+                <a16:creationId xmlns:a16="http://schemas.microsoft.com/office/drawing/2014/main" id="{1AB336DB-DEA8-1B68-61D7-2BFA3D6D557A}"/>
               </a:ext>
             </a:extLst>
           </p:cNvPr>
@@ -2992,7 +2992,7 @@
             </a:lvl1pPr>
           </a:lstStyle>
           <a:p>
-            <a:fld id="{D641829D-3D28-4E89-AA27-9DF0BE880895}" type="slidenum">
+            <a:fld id="{7EB81167-1EF9-49BF-A2D5-0FEB8B12125C}" type="slidenum">
               <a:rPr lang="zh-CN" altLang="en-US" smtClean="0"/>
               <a:t>‹#›</a:t>
             </a:fld>
@@ -3003,7 +3003,7 @@
     </p:spTree>
     <p:extLst>
       <p:ext uri="{BB962C8B-B14F-4D97-AF65-F5344CB8AC3E}">
-        <p14:creationId xmlns:p14="http://schemas.microsoft.com/office/powerpoint/2010/main" val="3637816596"/>
+        <p14:creationId xmlns:p14="http://schemas.microsoft.com/office/powerpoint/2010/main" val="3022959376"/>
       </p:ext>
     </p:extLst>
   </p:cSld>
@@ -3323,7 +3323,7 @@
       </p:grpSpPr>
       <p:pic>
         <p:nvPicPr>
-          <p:cNvPr id="1559554" name="Picture 2" descr="1522"/>
+          <p:cNvPr id="1560578" name="Picture 2" descr="1523"/>
           <p:cNvPicPr>
             <a:picLocks noChangeAspect="1" noChangeArrowheads="1"/>
           </p:cNvPicPr>
